--- a/lcj_gm_30.pptx
+++ b/lcj_gm_30.pptx
@@ -5974,7 +5974,7 @@
           <a:p>
             <a:fld id="{2BC54830-42DA-4404-9F8C-DE9E00A18181}" type="datetimeFigureOut">
               <a:rPr lang="zh-CN" altLang="en-US" smtClean="0"/>
-              <a:t>2024/7/13</a:t>
+              <a:t>2024/7/15</a:t>
             </a:fld>
             <a:endParaRPr lang="zh-CN" altLang="en-US"/>
           </a:p>
@@ -6472,7 +6472,7 @@
           <a:p>
             <a:fld id="{F5930DB7-C5F0-4CA2-914A-8532991C33D9}" type="datetimeFigureOut">
               <a:rPr lang="zh-CN" altLang="en-US" smtClean="0"/>
-              <a:t>2024/7/13</a:t>
+              <a:t>2024/7/15</a:t>
             </a:fld>
             <a:endParaRPr lang="zh-CN" altLang="en-US"/>
           </a:p>
@@ -6670,7 +6670,7 @@
           <a:p>
             <a:fld id="{F5930DB7-C5F0-4CA2-914A-8532991C33D9}" type="datetimeFigureOut">
               <a:rPr lang="zh-CN" altLang="en-US" smtClean="0"/>
-              <a:t>2024/7/13</a:t>
+              <a:t>2024/7/15</a:t>
             </a:fld>
             <a:endParaRPr lang="zh-CN" altLang="en-US"/>
           </a:p>
@@ -6878,7 +6878,7 @@
           <a:p>
             <a:fld id="{F5930DB7-C5F0-4CA2-914A-8532991C33D9}" type="datetimeFigureOut">
               <a:rPr lang="zh-CN" altLang="en-US" smtClean="0"/>
-              <a:t>2024/7/13</a:t>
+              <a:t>2024/7/15</a:t>
             </a:fld>
             <a:endParaRPr lang="zh-CN" altLang="en-US"/>
           </a:p>
@@ -7076,7 +7076,7 @@
           <a:p>
             <a:fld id="{F5930DB7-C5F0-4CA2-914A-8532991C33D9}" type="datetimeFigureOut">
               <a:rPr lang="zh-CN" altLang="en-US" smtClean="0"/>
-              <a:t>2024/7/13</a:t>
+              <a:t>2024/7/15</a:t>
             </a:fld>
             <a:endParaRPr lang="zh-CN" altLang="en-US"/>
           </a:p>
@@ -7351,7 +7351,7 @@
           <a:p>
             <a:fld id="{F5930DB7-C5F0-4CA2-914A-8532991C33D9}" type="datetimeFigureOut">
               <a:rPr lang="zh-CN" altLang="en-US" smtClean="0"/>
-              <a:t>2024/7/13</a:t>
+              <a:t>2024/7/15</a:t>
             </a:fld>
             <a:endParaRPr lang="zh-CN" altLang="en-US"/>
           </a:p>
@@ -7616,7 +7616,7 @@
           <a:p>
             <a:fld id="{F5930DB7-C5F0-4CA2-914A-8532991C33D9}" type="datetimeFigureOut">
               <a:rPr lang="zh-CN" altLang="en-US" smtClean="0"/>
-              <a:t>2024/7/13</a:t>
+              <a:t>2024/7/15</a:t>
             </a:fld>
             <a:endParaRPr lang="zh-CN" altLang="en-US"/>
           </a:p>
@@ -8028,7 +8028,7 @@
           <a:p>
             <a:fld id="{F5930DB7-C5F0-4CA2-914A-8532991C33D9}" type="datetimeFigureOut">
               <a:rPr lang="zh-CN" altLang="en-US" smtClean="0"/>
-              <a:t>2024/7/13</a:t>
+              <a:t>2024/7/15</a:t>
             </a:fld>
             <a:endParaRPr lang="zh-CN" altLang="en-US"/>
           </a:p>
@@ -8169,7 +8169,7 @@
           <a:p>
             <a:fld id="{F5930DB7-C5F0-4CA2-914A-8532991C33D9}" type="datetimeFigureOut">
               <a:rPr lang="zh-CN" altLang="en-US" smtClean="0"/>
-              <a:t>2024/7/13</a:t>
+              <a:t>2024/7/15</a:t>
             </a:fld>
             <a:endParaRPr lang="zh-CN" altLang="en-US"/>
           </a:p>
@@ -8282,7 +8282,7 @@
           <a:p>
             <a:fld id="{F5930DB7-C5F0-4CA2-914A-8532991C33D9}" type="datetimeFigureOut">
               <a:rPr lang="zh-CN" altLang="en-US" smtClean="0"/>
-              <a:t>2024/7/13</a:t>
+              <a:t>2024/7/15</a:t>
             </a:fld>
             <a:endParaRPr lang="zh-CN" altLang="en-US"/>
           </a:p>
@@ -8593,7 +8593,7 @@
           <a:p>
             <a:fld id="{F5930DB7-C5F0-4CA2-914A-8532991C33D9}" type="datetimeFigureOut">
               <a:rPr lang="zh-CN" altLang="en-US" smtClean="0"/>
-              <a:t>2024/7/13</a:t>
+              <a:t>2024/7/15</a:t>
             </a:fld>
             <a:endParaRPr lang="zh-CN" altLang="en-US"/>
           </a:p>
@@ -8881,7 +8881,7 @@
           <a:p>
             <a:fld id="{F5930DB7-C5F0-4CA2-914A-8532991C33D9}" type="datetimeFigureOut">
               <a:rPr lang="zh-CN" altLang="en-US" smtClean="0"/>
-              <a:t>2024/7/13</a:t>
+              <a:t>2024/7/15</a:t>
             </a:fld>
             <a:endParaRPr lang="zh-CN" altLang="en-US"/>
           </a:p>
@@ -9122,7 +9122,7 @@
           <a:p>
             <a:fld id="{F5930DB7-C5F0-4CA2-914A-8532991C33D9}" type="datetimeFigureOut">
               <a:rPr lang="zh-CN" altLang="en-US" smtClean="0"/>
-              <a:t>2024/7/13</a:t>
+              <a:t>2024/7/15</a:t>
             </a:fld>
             <a:endParaRPr lang="zh-CN" altLang="en-US"/>
           </a:p>
@@ -9641,7 +9641,7 @@
               <a:rPr kumimoji="1" lang="en-US" altLang="ja-JP" dirty="0">
                 <a:latin typeface="Segoe UI Symbol" panose="020B0502040204020203" pitchFamily="34" charset="0"/>
               </a:rPr>
-              <a:t>2024/7/2</a:t>
+              <a:t>2024/7/16</a:t>
             </a:r>
             <a:endParaRPr kumimoji="1" lang="ja-JP" altLang="en-US" dirty="0">
               <a:latin typeface="Segoe UI Symbol" panose="020B0502040204020203" pitchFamily="34" charset="0"/>
@@ -9821,7 +9821,7 @@
         <p:spPr>
           <a:xfrm>
             <a:off x="241965" y="2511068"/>
-            <a:ext cx="12317844" cy="1596719"/>
+            <a:ext cx="12317844" cy="1983492"/>
           </a:xfrm>
           <a:prstGeom prst="rect">
             <a:avLst/>
@@ -9840,12 +9840,8 @@
               </a:lnSpc>
             </a:pPr>
             <a:r>
-              <a:rPr lang="en-US" altLang="ja-JP" b="1" dirty="0"/>
-              <a:t>Nei3</a:t>
-            </a:r>
-            <a:r>
               <a:rPr lang="ja-JP" altLang="en-US" b="1" dirty="0"/>
-              <a:t>方法を作って</a:t>
+              <a:t>ガウス分布のインスタンスを作って</a:t>
             </a:r>
             <a:endParaRPr lang="en-US" altLang="ja-JP" b="1" dirty="0"/>
           </a:p>
@@ -9857,32 +9853,16 @@
             </a:pPr>
             <a:r>
               <a:rPr lang="ja-JP" altLang="en-US" b="1" dirty="0"/>
-              <a:t>線分による方法</a:t>
+              <a:t>辺の加える方法はまだ効くのかを確認</a:t>
             </a:r>
-            <a:r>
-              <a:rPr lang="en-US" altLang="ja-JP" b="1" dirty="0"/>
-              <a:t>(seg)</a:t>
-            </a:r>
-            <a:r>
-              <a:rPr lang="ja-JP" altLang="en-US" b="1" dirty="0"/>
-              <a:t>　と　隣による方法</a:t>
-            </a:r>
-            <a:r>
-              <a:rPr lang="en-US" altLang="ja-JP" b="1" dirty="0"/>
-              <a:t>(</a:t>
-            </a:r>
-            <a:r>
-              <a:rPr lang="en-US" altLang="ja-JP" b="1" dirty="0" err="1"/>
-              <a:t>nei</a:t>
-            </a:r>
-            <a:r>
-              <a:rPr lang="en-US" altLang="ja-JP" b="1" dirty="0"/>
-              <a:t>)</a:t>
-            </a:r>
-            <a:r>
-              <a:rPr lang="ja-JP" altLang="en-US" b="1" dirty="0"/>
-              <a:t>の比べ</a:t>
-            </a:r>
+            <a:endParaRPr lang="en-US" altLang="ja-JP" b="1" dirty="0"/>
+          </a:p>
+          <a:p>
+            <a:pPr lvl="1">
+              <a:lnSpc>
+                <a:spcPts val="3000"/>
+              </a:lnSpc>
+            </a:pPr>
             <a:endParaRPr lang="en-US" altLang="ja-JP" b="1" dirty="0"/>
           </a:p>
           <a:p>
@@ -9901,7 +9881,7 @@
             </a:pPr>
             <a:r>
               <a:rPr lang="ja-JP" altLang="en-US" b="1" dirty="0"/>
-              <a:t>町の分布について</a:t>
+              <a:t>今後の方向</a:t>
             </a:r>
             <a:endParaRPr lang="en-US" altLang="ja-JP" b="1" dirty="0"/>
           </a:p>
@@ -17448,7 +17428,7 @@
         <p:spPr>
           <a:xfrm>
             <a:off x="7851930" y="1356932"/>
-            <a:ext cx="6096000" cy="2462213"/>
+            <a:ext cx="6096000" cy="1815882"/>
           </a:xfrm>
           <a:prstGeom prst="rect">
             <a:avLst/>
@@ -17525,35 +17505,6 @@
           </a:p>
           <a:p>
             <a:endParaRPr lang="en-US" altLang="zh-CN" sz="1400" dirty="0"/>
-          </a:p>
-          <a:p>
-            <a:r>
-              <a:rPr lang="en-US" altLang="ja-JP" sz="1400" dirty="0" err="1"/>
-              <a:t>Nei</a:t>
-            </a:r>
-            <a:r>
-              <a:rPr lang="ja-JP" altLang="en-US" sz="1400" dirty="0"/>
-              <a:t>による方法で得られたグラフの辺の個数は</a:t>
-            </a:r>
-            <a:endParaRPr lang="en-US" altLang="ja-JP" sz="1400" dirty="0"/>
-          </a:p>
-          <a:p>
-            <a:r>
-              <a:rPr lang="ja-JP" altLang="en-US" sz="1400" dirty="0"/>
-              <a:t>大体</a:t>
-            </a:r>
-            <a:r>
-              <a:rPr lang="en-US" altLang="ja-JP" sz="1400" dirty="0"/>
-              <a:t>seg</a:t>
-            </a:r>
-            <a:r>
-              <a:rPr lang="ja-JP" altLang="en-US" sz="1400" dirty="0"/>
-              <a:t>方法の二倍になる</a:t>
-            </a:r>
-            <a:endParaRPr lang="en-US" altLang="ja-JP" sz="1400" dirty="0"/>
-          </a:p>
-          <a:p>
-            <a:endParaRPr lang="zh-CN" altLang="en-US" sz="1400" dirty="0"/>
           </a:p>
         </p:txBody>
       </p:sp>
@@ -17699,17 +17650,17 @@
           <a:p>
             <a:r>
               <a:rPr kumimoji="1" lang="ja-JP" altLang="en-US" sz="3600" b="1" dirty="0"/>
-              <a:t>町の分布</a:t>
+              <a:t>今後の方向</a:t>
             </a:r>
           </a:p>
         </p:txBody>
       </p:sp>
       <p:sp>
         <p:nvSpPr>
-          <p:cNvPr id="3" name="文本框 2">
+          <p:cNvPr id="2" name="文本框 1">
             <a:extLst>
               <a:ext uri="{FF2B5EF4-FFF2-40B4-BE49-F238E27FC236}">
-                <a16:creationId xmlns:a16="http://schemas.microsoft.com/office/drawing/2014/main" id="{E091A021-4A9C-94EE-0E10-BCDA10D2A216}"/>
+                <a16:creationId xmlns:a16="http://schemas.microsoft.com/office/drawing/2014/main" id="{4CA10779-CA13-FDA5-DD85-A7FC2D8C56BE}"/>
               </a:ext>
             </a:extLst>
           </p:cNvPr>
@@ -17718,8 +17669,8 @@
         </p:nvSpPr>
         <p:spPr>
           <a:xfrm>
-            <a:off x="612720" y="1132917"/>
-            <a:ext cx="9656189" cy="4770537"/>
+            <a:off x="851339" y="1267548"/>
+            <a:ext cx="8109912" cy="4524315"/>
           </a:xfrm>
           <a:prstGeom prst="rect">
             <a:avLst/>
@@ -17727,370 +17678,60 @@
           <a:noFill/>
         </p:spPr>
         <p:txBody>
-          <a:bodyPr wrap="square">
+          <a:bodyPr wrap="none" rtlCol="0">
             <a:spAutoFit/>
           </a:bodyPr>
           <a:lstStyle/>
-          <a:p>
-            <a:r>
-              <a:rPr lang="ja-JP" altLang="en-US" sz="1600" dirty="0"/>
-              <a:t>今町の座標をランダムに生成するコード</a:t>
-            </a:r>
-            <a:endParaRPr lang="en-US" altLang="zh-CN" sz="1600" dirty="0"/>
-          </a:p>
-          <a:p>
-            <a:endParaRPr lang="en-US" altLang="zh-CN" sz="1600" dirty="0">
-              <a:solidFill>
-                <a:srgbClr val="9CDCFE"/>
-              </a:solidFill>
-              <a:highlight>
-                <a:srgbClr val="1F1F1F"/>
-              </a:highlight>
-              <a:latin typeface="Consolas" panose="020B0609020204030204" pitchFamily="49" charset="0"/>
-            </a:endParaRPr>
-          </a:p>
-          <a:p>
-            <a:r>
-              <a:rPr lang="en-US" altLang="zh-CN" sz="1600" b="0" dirty="0" err="1">
-                <a:solidFill>
-                  <a:srgbClr val="9CDCFE"/>
-                </a:solidFill>
-                <a:effectLst/>
-                <a:highlight>
-                  <a:srgbClr val="1F1F1F"/>
-                </a:highlight>
-                <a:latin typeface="Consolas" panose="020B0609020204030204" pitchFamily="49" charset="0"/>
-              </a:rPr>
-              <a:t>self</a:t>
-            </a:r>
-            <a:r>
-              <a:rPr lang="en-US" altLang="zh-CN" sz="1600" b="0" dirty="0" err="1">
-                <a:solidFill>
-                  <a:srgbClr val="CCCCCC"/>
-                </a:solidFill>
-                <a:effectLst/>
-                <a:highlight>
-                  <a:srgbClr val="1F1F1F"/>
-                </a:highlight>
-                <a:latin typeface="Consolas" panose="020B0609020204030204" pitchFamily="49" charset="0"/>
-              </a:rPr>
-              <a:t>.</a:t>
-            </a:r>
-            <a:r>
-              <a:rPr lang="en-US" altLang="zh-CN" sz="1600" b="0" dirty="0" err="1">
-                <a:solidFill>
-                  <a:srgbClr val="9CDCFE"/>
-                </a:solidFill>
-                <a:effectLst/>
-                <a:highlight>
-                  <a:srgbClr val="1F1F1F"/>
-                </a:highlight>
-                <a:latin typeface="Consolas" panose="020B0609020204030204" pitchFamily="49" charset="0"/>
-              </a:rPr>
-              <a:t>coord</a:t>
-            </a:r>
-            <a:r>
-              <a:rPr lang="en-US" altLang="zh-CN" sz="1600" b="0" dirty="0">
-                <a:solidFill>
-                  <a:srgbClr val="CCCCCC"/>
-                </a:solidFill>
-                <a:effectLst/>
-                <a:highlight>
-                  <a:srgbClr val="1F1F1F"/>
-                </a:highlight>
-                <a:latin typeface="Consolas" panose="020B0609020204030204" pitchFamily="49" charset="0"/>
-              </a:rPr>
-              <a:t> </a:t>
-            </a:r>
-            <a:r>
-              <a:rPr lang="en-US" altLang="zh-CN" sz="1600" b="0" dirty="0">
-                <a:solidFill>
-                  <a:srgbClr val="D4D4D4"/>
-                </a:solidFill>
-                <a:effectLst/>
-                <a:highlight>
-                  <a:srgbClr val="1F1F1F"/>
-                </a:highlight>
-                <a:latin typeface="Consolas" panose="020B0609020204030204" pitchFamily="49" charset="0"/>
-              </a:rPr>
-              <a:t>=</a:t>
-            </a:r>
-            <a:r>
-              <a:rPr lang="en-US" altLang="zh-CN" sz="1600" b="0" dirty="0">
-                <a:solidFill>
-                  <a:srgbClr val="CCCCCC"/>
-                </a:solidFill>
-                <a:effectLst/>
-                <a:highlight>
-                  <a:srgbClr val="1F1F1F"/>
-                </a:highlight>
-                <a:latin typeface="Consolas" panose="020B0609020204030204" pitchFamily="49" charset="0"/>
-              </a:rPr>
-              <a:t> </a:t>
-            </a:r>
-            <a:r>
-              <a:rPr lang="en-US" altLang="zh-CN" sz="1600" b="0" dirty="0" err="1">
-                <a:solidFill>
-                  <a:srgbClr val="4EC9B0"/>
-                </a:solidFill>
-                <a:effectLst/>
-                <a:highlight>
-                  <a:srgbClr val="1F1F1F"/>
-                </a:highlight>
-                <a:latin typeface="Consolas" panose="020B0609020204030204" pitchFamily="49" charset="0"/>
-              </a:rPr>
-              <a:t>np</a:t>
-            </a:r>
-            <a:r>
-              <a:rPr lang="en-US" altLang="zh-CN" sz="1600" b="0" dirty="0" err="1">
-                <a:solidFill>
-                  <a:srgbClr val="CCCCCC"/>
-                </a:solidFill>
-                <a:effectLst/>
-                <a:highlight>
-                  <a:srgbClr val="1F1F1F"/>
-                </a:highlight>
-                <a:latin typeface="Consolas" panose="020B0609020204030204" pitchFamily="49" charset="0"/>
-              </a:rPr>
-              <a:t>.</a:t>
-            </a:r>
-            <a:r>
-              <a:rPr lang="en-US" altLang="zh-CN" sz="1600" b="0" dirty="0" err="1">
-                <a:solidFill>
-                  <a:srgbClr val="4EC9B0"/>
-                </a:solidFill>
-                <a:effectLst/>
-                <a:highlight>
-                  <a:srgbClr val="1F1F1F"/>
-                </a:highlight>
-                <a:latin typeface="Consolas" panose="020B0609020204030204" pitchFamily="49" charset="0"/>
-              </a:rPr>
-              <a:t>random</a:t>
-            </a:r>
-            <a:r>
-              <a:rPr lang="en-US" altLang="zh-CN" sz="1600" b="0" dirty="0" err="1">
-                <a:solidFill>
-                  <a:srgbClr val="CCCCCC"/>
-                </a:solidFill>
-                <a:effectLst/>
-                <a:highlight>
-                  <a:srgbClr val="1F1F1F"/>
-                </a:highlight>
-                <a:latin typeface="Consolas" panose="020B0609020204030204" pitchFamily="49" charset="0"/>
-              </a:rPr>
-              <a:t>.</a:t>
-            </a:r>
-            <a:r>
-              <a:rPr lang="en-US" altLang="zh-CN" sz="1600" b="0" dirty="0" err="1">
-                <a:solidFill>
-                  <a:srgbClr val="9CDCFE"/>
-                </a:solidFill>
-                <a:effectLst/>
-                <a:highlight>
-                  <a:srgbClr val="1F1F1F"/>
-                </a:highlight>
-                <a:latin typeface="Consolas" panose="020B0609020204030204" pitchFamily="49" charset="0"/>
-              </a:rPr>
-              <a:t>random</a:t>
-            </a:r>
-            <a:r>
-              <a:rPr lang="en-US" altLang="zh-CN" sz="1600" b="0" dirty="0">
-                <a:solidFill>
-                  <a:srgbClr val="CCCCCC"/>
-                </a:solidFill>
-                <a:effectLst/>
-                <a:highlight>
-                  <a:srgbClr val="1F1F1F"/>
-                </a:highlight>
-                <a:latin typeface="Consolas" panose="020B0609020204030204" pitchFamily="49" charset="0"/>
-              </a:rPr>
-              <a:t>((</a:t>
-            </a:r>
-            <a:r>
-              <a:rPr lang="en-US" altLang="zh-CN" sz="1600" b="0" dirty="0" err="1">
-                <a:solidFill>
-                  <a:srgbClr val="9CDCFE"/>
-                </a:solidFill>
-                <a:effectLst/>
-                <a:highlight>
-                  <a:srgbClr val="1F1F1F"/>
-                </a:highlight>
-                <a:latin typeface="Consolas" panose="020B0609020204030204" pitchFamily="49" charset="0"/>
-              </a:rPr>
-              <a:t>self</a:t>
-            </a:r>
-            <a:r>
-              <a:rPr lang="en-US" altLang="zh-CN" sz="1600" b="0" dirty="0" err="1">
-                <a:solidFill>
-                  <a:srgbClr val="CCCCCC"/>
-                </a:solidFill>
-                <a:effectLst/>
-                <a:highlight>
-                  <a:srgbClr val="1F1F1F"/>
-                </a:highlight>
-                <a:latin typeface="Consolas" panose="020B0609020204030204" pitchFamily="49" charset="0"/>
-              </a:rPr>
-              <a:t>.</a:t>
-            </a:r>
-            <a:r>
-              <a:rPr lang="en-US" altLang="zh-CN" sz="1600" b="0" dirty="0" err="1">
-                <a:solidFill>
-                  <a:srgbClr val="9CDCFE"/>
-                </a:solidFill>
-                <a:effectLst/>
-                <a:highlight>
-                  <a:srgbClr val="1F1F1F"/>
-                </a:highlight>
-                <a:latin typeface="Consolas" panose="020B0609020204030204" pitchFamily="49" charset="0"/>
-              </a:rPr>
-              <a:t>n</a:t>
-            </a:r>
-            <a:r>
-              <a:rPr lang="en-US" altLang="zh-CN" sz="1600" b="0" dirty="0">
-                <a:solidFill>
-                  <a:srgbClr val="CCCCCC"/>
-                </a:solidFill>
-                <a:effectLst/>
-                <a:highlight>
-                  <a:srgbClr val="1F1F1F"/>
-                </a:highlight>
-                <a:latin typeface="Consolas" panose="020B0609020204030204" pitchFamily="49" charset="0"/>
-              </a:rPr>
-              <a:t>, </a:t>
-            </a:r>
-            <a:r>
-              <a:rPr lang="en-US" altLang="zh-CN" sz="1600" b="0" dirty="0">
-                <a:solidFill>
-                  <a:srgbClr val="B5CEA8"/>
-                </a:solidFill>
-                <a:effectLst/>
-                <a:highlight>
-                  <a:srgbClr val="1F1F1F"/>
-                </a:highlight>
-                <a:latin typeface="Consolas" panose="020B0609020204030204" pitchFamily="49" charset="0"/>
-              </a:rPr>
-              <a:t>2</a:t>
-            </a:r>
-            <a:r>
-              <a:rPr lang="en-US" altLang="zh-CN" sz="1600" b="0" dirty="0">
-                <a:solidFill>
-                  <a:srgbClr val="CCCCCC"/>
-                </a:solidFill>
-                <a:effectLst/>
-                <a:highlight>
-                  <a:srgbClr val="1F1F1F"/>
-                </a:highlight>
-                <a:latin typeface="Consolas" panose="020B0609020204030204" pitchFamily="49" charset="0"/>
-              </a:rPr>
-              <a:t>)) </a:t>
-            </a:r>
-            <a:r>
-              <a:rPr lang="en-US" altLang="zh-CN" sz="1600" b="0" dirty="0">
-                <a:solidFill>
-                  <a:srgbClr val="DCDCAA"/>
-                </a:solidFill>
-                <a:effectLst/>
-                <a:highlight>
-                  <a:srgbClr val="1F1F1F"/>
-                </a:highlight>
-                <a:latin typeface="Consolas" panose="020B0609020204030204" pitchFamily="49" charset="0"/>
-              </a:rPr>
-              <a:t>*</a:t>
-            </a:r>
-            <a:r>
-              <a:rPr lang="en-US" altLang="zh-CN" sz="1600" b="0" dirty="0">
-                <a:solidFill>
-                  <a:srgbClr val="CCCCCC"/>
-                </a:solidFill>
-                <a:effectLst/>
-                <a:highlight>
-                  <a:srgbClr val="1F1F1F"/>
-                </a:highlight>
-                <a:latin typeface="Consolas" panose="020B0609020204030204" pitchFamily="49" charset="0"/>
-              </a:rPr>
-              <a:t> </a:t>
-            </a:r>
-            <a:r>
-              <a:rPr lang="en-US" altLang="zh-CN" sz="1600" b="0" dirty="0">
-                <a:solidFill>
-                  <a:srgbClr val="B5CEA8"/>
-                </a:solidFill>
-                <a:effectLst/>
-                <a:highlight>
-                  <a:srgbClr val="1F1F1F"/>
-                </a:highlight>
-                <a:latin typeface="Consolas" panose="020B0609020204030204" pitchFamily="49" charset="0"/>
-              </a:rPr>
-              <a:t>100</a:t>
-            </a:r>
-          </a:p>
-          <a:p>
-            <a:endParaRPr lang="en-US" altLang="zh-CN" sz="1600" dirty="0">
-              <a:solidFill>
-                <a:srgbClr val="B5CEA8"/>
-              </a:solidFill>
-              <a:highlight>
-                <a:srgbClr val="1F1F1F"/>
-              </a:highlight>
-              <a:latin typeface="Consolas" panose="020B0609020204030204" pitchFamily="49" charset="0"/>
-            </a:endParaRPr>
-          </a:p>
-          <a:p>
-            <a:r>
-              <a:rPr lang="ja-JP" altLang="en-US" sz="1600" dirty="0"/>
-              <a:t>生成された座標は</a:t>
-            </a:r>
-            <a:r>
-              <a:rPr lang="en-US" altLang="ja-JP" sz="1600" dirty="0"/>
-              <a:t>100</a:t>
-            </a:r>
-            <a:r>
-              <a:rPr lang="ja-JP" altLang="en-US" sz="1600" dirty="0"/>
-              <a:t>の範囲で一様分布である</a:t>
-            </a:r>
-            <a:r>
-              <a:rPr lang="en-US" altLang="ja-JP" sz="1600" dirty="0"/>
-              <a:t>(</a:t>
-            </a:r>
-            <a:r>
-              <a:rPr lang="en-US" altLang="zh-CN" sz="1600" dirty="0"/>
-              <a:t>uniform distribution</a:t>
-            </a:r>
-            <a:r>
-              <a:rPr lang="en-US" altLang="ja-JP" sz="1600" dirty="0"/>
-              <a:t>)</a:t>
-            </a:r>
-          </a:p>
-          <a:p>
-            <a:endParaRPr lang="en-US" altLang="zh-CN" sz="1600" dirty="0"/>
-          </a:p>
-          <a:p>
-            <a:endParaRPr lang="en-US" altLang="zh-CN" sz="1600" dirty="0"/>
-          </a:p>
-          <a:p>
-            <a:endParaRPr lang="en-US" altLang="zh-CN" sz="1600" dirty="0"/>
-          </a:p>
-          <a:p>
-            <a:r>
-              <a:rPr lang="ja-JP" altLang="en-US" sz="1600" dirty="0"/>
-              <a:t>もっと現実的な町を生成するために：</a:t>
-            </a:r>
-            <a:endParaRPr lang="en-US" altLang="ja-JP" sz="1600" dirty="0"/>
-          </a:p>
           <a:p>
             <a:pPr marL="285750" indent="-285750">
               <a:buFont typeface="Arial" panose="020B0604020202020204" pitchFamily="34" charset="0"/>
               <a:buChar char="•"/>
             </a:pPr>
             <a:r>
-              <a:rPr lang="ja-JP" altLang="en-US" sz="1600" dirty="0"/>
-              <a:t>ガウス</a:t>
+              <a:rPr lang="ja-JP" altLang="en-US" dirty="0"/>
+              <a:t>今回の実験で作ったインスタンスは一つの中心しかない</a:t>
+            </a:r>
+            <a:endParaRPr lang="en-US" altLang="ja-JP" dirty="0"/>
+          </a:p>
+          <a:p>
+            <a:pPr marL="285750" indent="-285750">
+              <a:buFont typeface="Arial" panose="020B0604020202020204" pitchFamily="34" charset="0"/>
+              <a:buChar char="•"/>
+            </a:pPr>
+            <a:endParaRPr lang="en-US" altLang="ja-JP" dirty="0"/>
+          </a:p>
+          <a:p>
+            <a:r>
+              <a:rPr lang="ja-JP" altLang="en-US" dirty="0"/>
+              <a:t>もっと現実に近づくために</a:t>
+            </a:r>
+            <a:endParaRPr lang="en-US" altLang="ja-JP" dirty="0"/>
+          </a:p>
+          <a:p>
+            <a:r>
+              <a:rPr lang="ja-JP" altLang="en-US" b="1" dirty="0"/>
+              <a:t>複数の中心</a:t>
             </a:r>
             <a:r>
-              <a:rPr lang="zh-CN" altLang="en-US" sz="1600" dirty="0"/>
-              <a:t>分布，</a:t>
+              <a:rPr lang="ja-JP" altLang="en-US" dirty="0"/>
+              <a:t>のあるインスタンスを作ったほうがいいかな？</a:t>
             </a:r>
-            <a:endParaRPr lang="en-US" altLang="zh-CN" sz="1600" dirty="0"/>
+            <a:endParaRPr lang="en-US" altLang="ja-JP" dirty="0"/>
+          </a:p>
+          <a:p>
+            <a:endParaRPr lang="en-US" altLang="zh-CN" dirty="0"/>
+          </a:p>
+          <a:p>
+            <a:endParaRPr lang="en-US" altLang="zh-CN" dirty="0"/>
+          </a:p>
+          <a:p>
+            <a:endParaRPr lang="en-US" altLang="zh-CN" dirty="0"/>
+          </a:p>
+          <a:p>
+            <a:endParaRPr lang="en-US" altLang="zh-CN" dirty="0"/>
+          </a:p>
+          <a:p>
+            <a:endParaRPr lang="en-US" altLang="zh-CN" dirty="0"/>
           </a:p>
           <a:p>
             <a:pPr marL="285750" indent="-285750">
@@ -18098,64 +17739,94 @@
               <a:buChar char="•"/>
             </a:pPr>
             <a:r>
-              <a:rPr lang="ja-JP" altLang="en-US" sz="1600" dirty="0"/>
-              <a:t>指数分布</a:t>
+              <a:rPr lang="ja-JP" altLang="en-US" dirty="0"/>
+              <a:t>現在のインスタンスには町の座標の範囲は</a:t>
             </a:r>
-            <a:endParaRPr lang="en-US" altLang="zh-CN" sz="1600" dirty="0"/>
-          </a:p>
-          <a:p>
-            <a:pPr lvl="1"/>
             <a:r>
-              <a:rPr lang="ja-JP" altLang="en-US" sz="1600" dirty="0"/>
-              <a:t>都市が一つの中心地域に集中し、徐々に外側に拡張している</a:t>
+              <a:rPr lang="en-US" altLang="ja-JP" dirty="0"/>
+              <a:t>100</a:t>
             </a:r>
-            <a:endParaRPr lang="en-US" altLang="ja-JP" sz="1600" dirty="0"/>
-          </a:p>
-          <a:p>
-            <a:pPr lvl="1"/>
-            <a:endParaRPr lang="en-US" altLang="zh-CN" sz="1600" dirty="0"/>
-          </a:p>
-          <a:p>
-            <a:pPr lvl="1"/>
-            <a:endParaRPr lang="en-US" altLang="zh-CN" sz="1600" dirty="0"/>
-          </a:p>
-          <a:p>
             <a:r>
-              <a:rPr lang="ja-JP" altLang="en-US" sz="1600" dirty="0"/>
-              <a:t>次回はガウス分布で座標生成してから新しいインスタンスを作って</a:t>
+              <a:rPr lang="ja-JP" altLang="en-US" dirty="0"/>
+              <a:t>以内</a:t>
             </a:r>
-            <a:endParaRPr lang="en-US" altLang="ja-JP" sz="1600" dirty="0"/>
+            <a:endParaRPr lang="en-US" altLang="ja-JP" dirty="0"/>
+          </a:p>
+          <a:p>
+            <a:endParaRPr lang="en-US" altLang="ja-JP" dirty="0"/>
+          </a:p>
+          <a:p>
+            <a:r>
+              <a:rPr lang="ja-JP" altLang="en-US" dirty="0"/>
+              <a:t>町の個数が同じという前提で</a:t>
+            </a:r>
+            <a:r>
+              <a:rPr lang="en-US" altLang="ja-JP" dirty="0"/>
+              <a:t>(QUBO</a:t>
+            </a:r>
+            <a:r>
+              <a:rPr lang="ja-JP" altLang="en-US" dirty="0"/>
+              <a:t>行列のサイズが同じ</a:t>
+            </a:r>
+            <a:r>
+              <a:rPr lang="en-US" altLang="ja-JP" dirty="0"/>
+              <a:t>)</a:t>
+            </a:r>
+          </a:p>
+          <a:p>
+            <a:r>
+              <a:rPr lang="ja-JP" altLang="en-US" b="1" dirty="0"/>
+              <a:t>範囲が大きい</a:t>
+            </a:r>
+            <a:r>
+              <a:rPr lang="en-US" altLang="ja-JP" dirty="0"/>
+              <a:t>(1000</a:t>
+            </a:r>
+            <a:r>
+              <a:rPr lang="zh-CN" altLang="en-US" dirty="0"/>
+              <a:t>，</a:t>
+            </a:r>
+            <a:r>
+              <a:rPr lang="en-US" altLang="zh-CN" dirty="0"/>
+              <a:t>10000</a:t>
+            </a:r>
+            <a:r>
+              <a:rPr lang="en-US" altLang="ja-JP" dirty="0"/>
+              <a:t>)</a:t>
+            </a:r>
+            <a:r>
+              <a:rPr lang="ja-JP" altLang="en-US" dirty="0"/>
+              <a:t>インスタンスの方がソルバーに難しい？易しい？</a:t>
+            </a:r>
+            <a:endParaRPr lang="en-US" altLang="ja-JP" dirty="0"/>
+          </a:p>
+          <a:p>
+            <a:r>
+              <a:rPr lang="en-US" altLang="ja-JP" dirty="0"/>
+              <a:t>(</a:t>
+            </a:r>
+            <a:r>
+              <a:rPr lang="ja-JP" altLang="en-US" dirty="0"/>
+              <a:t>係数の格差が大きくなる</a:t>
+            </a:r>
+            <a:r>
+              <a:rPr lang="en-US" altLang="ja-JP" dirty="0"/>
+              <a:t>)</a:t>
+            </a:r>
           </a:p>
           <a:p>
             <a:pPr marL="285750" indent="-285750">
               <a:buFont typeface="Arial" panose="020B0604020202020204" pitchFamily="34" charset="0"/>
               <a:buChar char="•"/>
             </a:pPr>
-            <a:r>
-              <a:rPr lang="en-US" altLang="zh-CN" sz="1600" dirty="0"/>
-              <a:t>Delaunay + seg1 + seg2 + seg3</a:t>
-            </a:r>
+            <a:endParaRPr lang="en-US" altLang="zh-CN" dirty="0"/>
           </a:p>
           <a:p>
             <a:pPr marL="285750" indent="-285750">
               <a:buFont typeface="Arial" panose="020B0604020202020204" pitchFamily="34" charset="0"/>
               <a:buChar char="•"/>
             </a:pPr>
-            <a:r>
-              <a:rPr lang="en-US" altLang="zh-CN" sz="1600" dirty="0"/>
-              <a:t>Delaunay(nei1) + nei2 + nei3</a:t>
-            </a:r>
-          </a:p>
-          <a:p>
-            <a:r>
-              <a:rPr lang="ja-JP" altLang="en-US" sz="1600" dirty="0"/>
-              <a:t>二つの方法で得られたグラフは最適順路は含まれるかどうかを確認する予定です</a:t>
-            </a:r>
-            <a:endParaRPr lang="zh-CN" altLang="en-US" sz="1600" dirty="0"/>
-          </a:p>
-          <a:p>
-            <a:pPr lvl="1"/>
-            <a:endParaRPr lang="en-US" altLang="zh-CN" sz="1600" dirty="0"/>
+            <a:endParaRPr lang="zh-CN" altLang="en-US" dirty="0"/>
           </a:p>
         </p:txBody>
       </p:sp>
@@ -18291,7 +17962,7 @@
               <a:rPr kumimoji="1" lang="en-US" altLang="ja-JP" dirty="0">
                 <a:latin typeface="Segoe UI Symbol" panose="020B0502040204020203" pitchFamily="34" charset="0"/>
               </a:rPr>
-              <a:t>2024/7/2</a:t>
+              <a:t>2024/7/16</a:t>
             </a:r>
             <a:endParaRPr kumimoji="1" lang="ja-JP" altLang="en-US" dirty="0">
               <a:latin typeface="Segoe UI Symbol" panose="020B0502040204020203" pitchFamily="34" charset="0"/>
